--- a/Examples/Data/Charts/PrecisionOfDatalabels_out.pptx
+++ b/Examples/Data/Charts/PrecisionOfDatalabels_out.pptx
@@ -1,6 +1,6 @@
 
 <file path=ppt/presentation.xml><?xml version="1.0" encoding="utf-8"?>
-<!--Generated by Aspose.Slides for .NET 19.6-->
+<!--Generated by Aspose.Slides for .NET 21.12-->
 <p:presentation xmlns:r="http://schemas.openxmlformats.org/officeDocument/2006/relationships" xmlns:a="http://schemas.openxmlformats.org/drawingml/2006/main" xmlns:p="http://schemas.openxmlformats.org/presentationml/2006/main" saveSubsetFonts="1">
   <p:sldMasterIdLst>
     <p:sldMasterId id="2147483648" r:id="rId1"/>
@@ -112,7 +112,7 @@
 </file>
 
 <file path=ppt/charts/chart1.xml><?xml version="1.0" encoding="utf-8"?>
-<c:chartSpace xmlns:a="http://schemas.openxmlformats.org/drawingml/2006/main" xmlns:r="http://schemas.openxmlformats.org/officeDocument/2006/relationships" xmlns:c="http://schemas.openxmlformats.org/drawingml/2006/chart">
+<c:chartSpace xmlns:a="http://schemas.openxmlformats.org/drawingml/2006/main" xmlns:r="http://schemas.openxmlformats.org/officeDocument/2006/relationships" xmlns:m="http://schemas.openxmlformats.org/officeDocument/2006/math" xmlns:w="http://schemas.openxmlformats.org/wordprocessingml/2006/main" xmlns:wp="http://schemas.openxmlformats.org/drawingml/2006/wordprocessingDrawing" xmlns:a14="http://schemas.microsoft.com/office/drawing/2010/main" xmlns:c="http://schemas.openxmlformats.org/drawingml/2006/chart">
   <c:date1904 val="0"/>
   <c:lang val="ru-RU"/>
   <c:roundedCorners val="0"/>
@@ -382,11 +382,11 @@
 </file>
 
 <file path=ppt/slideLayouts/slideLayout1.xml><?xml version="1.0" encoding="utf-8"?>
-<p:sldLayout xmlns:a="http://schemas.openxmlformats.org/drawingml/2006/main" xmlns:r="http://schemas.openxmlformats.org/officeDocument/2006/relationships" xmlns:p14="http://schemas.microsoft.com/office/powerpoint/2010/main" xmlns:a14="http://schemas.microsoft.com/office/drawing/2010/main" xmlns:p15="http://schemas.microsoft.com/office/powerpoint/2012/main" xmlns:p159="http://schemas.microsoft.com/office/powerpoint/2015/09/main" xmlns:p="http://schemas.openxmlformats.org/presentationml/2006/main" type="title" preserve="1">
+<p:sldLayout xmlns:a="http://schemas.openxmlformats.org/drawingml/2006/main" xmlns:r="http://schemas.openxmlformats.org/officeDocument/2006/relationships" xmlns:m="http://schemas.openxmlformats.org/officeDocument/2006/math" xmlns:w="http://schemas.openxmlformats.org/wordprocessingml/2006/main" xmlns:wp="http://schemas.openxmlformats.org/drawingml/2006/wordprocessingDrawing" xmlns:a14="http://schemas.microsoft.com/office/drawing/2010/main" xmlns:mc="http://schemas.openxmlformats.org/markup-compatibility/2006" xmlns:p14="http://schemas.microsoft.com/office/powerpoint/2010/main" xmlns:p15="http://schemas.microsoft.com/office/powerpoint/2012/main" xmlns:p159="http://schemas.microsoft.com/office/powerpoint/2015/09/main" xmlns:p="http://schemas.openxmlformats.org/presentationml/2006/main" type="title" preserve="1">
   <p:cSld name="Title Slide">
     <p:spTree>
       <p:nvGrpSpPr>
-        <p:cNvPr id="1" name=""/>
+        <p:cNvPr id="1" name="" title=""/>
         <p:cNvGrpSpPr/>
         <p:nvPr/>
       </p:nvGrpSpPr>
@@ -398,7 +398,7 @@
       </p:grpSpPr>
       <p:sp>
         <p:nvSpPr>
-          <p:cNvPr id="2" name="Title 1"/>
+          <p:cNvPr id="2" name="Title 1" title=""/>
           <p:cNvSpPr>
             <a:spLocks noGrp="1"/>
           </p:cNvSpPr>
@@ -421,7 +421,7 @@
       </p:sp>
       <p:sp>
         <p:nvSpPr>
-          <p:cNvPr id="3" name="Subtitle 2"/>
+          <p:cNvPr id="3" name="Subtitle 2" title=""/>
           <p:cNvSpPr>
             <a:spLocks noGrp="1"/>
           </p:cNvSpPr>
@@ -535,7 +535,7 @@
       </p:sp>
       <p:sp>
         <p:nvSpPr>
-          <p:cNvPr id="4" name="Date Placeholder 3"/>
+          <p:cNvPr id="4" name="Date Placeholder 3" title=""/>
           <p:cNvSpPr>
             <a:spLocks noGrp="1"/>
           </p:cNvSpPr>
@@ -548,7 +548,7 @@
           <a:bodyPr/>
           <a:lstStyle/>
           <a:p>
-            <a:fld id="{299A17C3-8F31-4396-BA24-8773302A29FD}" type="datetimeFigureOut">
+            <a:fld id="{3832037E-214A-4394-B6C4-47FF673034DD}" type="datetimeFigureOut">
               <a:rPr lang="en-US" smtClean="0"/>
               <a:t>11/7/2009</a:t>
             </a:fld>
@@ -558,7 +558,7 @@
       </p:sp>
       <p:sp>
         <p:nvSpPr>
-          <p:cNvPr id="5" name="Footer Placeholder 4"/>
+          <p:cNvPr id="5" name="Footer Placeholder 4" title=""/>
           <p:cNvSpPr>
             <a:spLocks noGrp="1"/>
           </p:cNvSpPr>
@@ -577,7 +577,7 @@
       </p:sp>
       <p:sp>
         <p:nvSpPr>
-          <p:cNvPr id="6" name="Slide Number Placeholder 5"/>
+          <p:cNvPr id="6" name="Slide Number Placeholder 5" title=""/>
           <p:cNvSpPr>
             <a:spLocks noGrp="1"/>
           </p:cNvSpPr>
@@ -609,11 +609,11 @@
 </file>
 
 <file path=ppt/slideLayouts/slideLayout10.xml><?xml version="1.0" encoding="utf-8"?>
-<p:sldLayout xmlns:a="http://schemas.openxmlformats.org/drawingml/2006/main" xmlns:r="http://schemas.openxmlformats.org/officeDocument/2006/relationships" xmlns:p14="http://schemas.microsoft.com/office/powerpoint/2010/main" xmlns:a14="http://schemas.microsoft.com/office/drawing/2010/main" xmlns:p15="http://schemas.microsoft.com/office/powerpoint/2012/main" xmlns:p159="http://schemas.microsoft.com/office/powerpoint/2015/09/main" xmlns:p="http://schemas.openxmlformats.org/presentationml/2006/main" type="vertTx" preserve="1">
+<p:sldLayout xmlns:a="http://schemas.openxmlformats.org/drawingml/2006/main" xmlns:r="http://schemas.openxmlformats.org/officeDocument/2006/relationships" xmlns:m="http://schemas.openxmlformats.org/officeDocument/2006/math" xmlns:w="http://schemas.openxmlformats.org/wordprocessingml/2006/main" xmlns:wp="http://schemas.openxmlformats.org/drawingml/2006/wordprocessingDrawing" xmlns:a14="http://schemas.microsoft.com/office/drawing/2010/main" xmlns:mc="http://schemas.openxmlformats.org/markup-compatibility/2006" xmlns:p14="http://schemas.microsoft.com/office/powerpoint/2010/main" xmlns:p15="http://schemas.microsoft.com/office/powerpoint/2012/main" xmlns:p159="http://schemas.microsoft.com/office/powerpoint/2015/09/main" xmlns:p="http://schemas.openxmlformats.org/presentationml/2006/main" type="vertTx" preserve="1">
   <p:cSld name="Title and Vertical Text">
     <p:spTree>
       <p:nvGrpSpPr>
-        <p:cNvPr id="1" name=""/>
+        <p:cNvPr id="1" name="" title=""/>
         <p:cNvGrpSpPr/>
         <p:nvPr/>
       </p:nvGrpSpPr>
@@ -625,7 +625,7 @@
       </p:grpSpPr>
       <p:sp>
         <p:nvSpPr>
-          <p:cNvPr id="2" name="Title 1"/>
+          <p:cNvPr id="2" name="Title 1" title=""/>
           <p:cNvSpPr>
             <a:spLocks noGrp="1"/>
           </p:cNvSpPr>
@@ -648,7 +648,7 @@
       </p:sp>
       <p:sp>
         <p:nvSpPr>
-          <p:cNvPr id="3" name="Vertical Text Placeholder 2"/>
+          <p:cNvPr id="3" name="Vertical Text Placeholder 2" title=""/>
           <p:cNvSpPr>
             <a:spLocks noGrp="1"/>
           </p:cNvSpPr>
@@ -699,7 +699,7 @@
       </p:sp>
       <p:sp>
         <p:nvSpPr>
-          <p:cNvPr id="4" name="Date Placeholder 3"/>
+          <p:cNvPr id="4" name="Date Placeholder 3" title=""/>
           <p:cNvSpPr>
             <a:spLocks noGrp="1"/>
           </p:cNvSpPr>
@@ -712,7 +712,7 @@
           <a:bodyPr/>
           <a:lstStyle/>
           <a:p>
-            <a:fld id="{BAF38A81-7ED9-42FB-9809-552CEE0C6988}" type="datetimeFigureOut">
+            <a:fld id="{D9DD6CE6-0777-4AB5-AE93-E35DC5E63474}" type="datetimeFigureOut">
               <a:rPr lang="en-US" smtClean="0"/>
               <a:t>11/7/2009</a:t>
             </a:fld>
@@ -722,7 +722,7 @@
       </p:sp>
       <p:sp>
         <p:nvSpPr>
-          <p:cNvPr id="5" name="Footer Placeholder 4"/>
+          <p:cNvPr id="5" name="Footer Placeholder 4" title=""/>
           <p:cNvSpPr>
             <a:spLocks noGrp="1"/>
           </p:cNvSpPr>
@@ -741,7 +741,7 @@
       </p:sp>
       <p:sp>
         <p:nvSpPr>
-          <p:cNvPr id="6" name="Slide Number Placeholder 5"/>
+          <p:cNvPr id="6" name="Slide Number Placeholder 5" title=""/>
           <p:cNvSpPr>
             <a:spLocks noGrp="1"/>
           </p:cNvSpPr>
@@ -773,11 +773,11 @@
 </file>
 
 <file path=ppt/slideLayouts/slideLayout11.xml><?xml version="1.0" encoding="utf-8"?>
-<p:sldLayout xmlns:a="http://schemas.openxmlformats.org/drawingml/2006/main" xmlns:r="http://schemas.openxmlformats.org/officeDocument/2006/relationships" xmlns:p14="http://schemas.microsoft.com/office/powerpoint/2010/main" xmlns:a14="http://schemas.microsoft.com/office/drawing/2010/main" xmlns:p15="http://schemas.microsoft.com/office/powerpoint/2012/main" xmlns:p159="http://schemas.microsoft.com/office/powerpoint/2015/09/main" xmlns:p="http://schemas.openxmlformats.org/presentationml/2006/main" type="vertTitleAndTx" preserve="1">
+<p:sldLayout xmlns:a="http://schemas.openxmlformats.org/drawingml/2006/main" xmlns:r="http://schemas.openxmlformats.org/officeDocument/2006/relationships" xmlns:m="http://schemas.openxmlformats.org/officeDocument/2006/math" xmlns:w="http://schemas.openxmlformats.org/wordprocessingml/2006/main" xmlns:wp="http://schemas.openxmlformats.org/drawingml/2006/wordprocessingDrawing" xmlns:a14="http://schemas.microsoft.com/office/drawing/2010/main" xmlns:mc="http://schemas.openxmlformats.org/markup-compatibility/2006" xmlns:p14="http://schemas.microsoft.com/office/powerpoint/2010/main" xmlns:p15="http://schemas.microsoft.com/office/powerpoint/2012/main" xmlns:p159="http://schemas.microsoft.com/office/powerpoint/2015/09/main" xmlns:p="http://schemas.openxmlformats.org/presentationml/2006/main" type="vertTitleAndTx" preserve="1">
   <p:cSld name="Vertical Title and Text">
     <p:spTree>
       <p:nvGrpSpPr>
-        <p:cNvPr id="1" name=""/>
+        <p:cNvPr id="1" name="" title=""/>
         <p:cNvGrpSpPr/>
         <p:nvPr/>
       </p:nvGrpSpPr>
@@ -789,7 +789,7 @@
       </p:grpSpPr>
       <p:sp>
         <p:nvSpPr>
-          <p:cNvPr id="2" name="Vertical Title 1"/>
+          <p:cNvPr id="2" name="Vertical Title 1" title=""/>
           <p:cNvSpPr>
             <a:spLocks noGrp="1"/>
           </p:cNvSpPr>
@@ -812,7 +812,7 @@
       </p:sp>
       <p:sp>
         <p:nvSpPr>
-          <p:cNvPr id="3" name="Vertical Text Placeholder 2"/>
+          <p:cNvPr id="3" name="Vertical Text Placeholder 2" title=""/>
           <p:cNvSpPr>
             <a:spLocks noGrp="1"/>
           </p:cNvSpPr>
@@ -863,7 +863,7 @@
       </p:sp>
       <p:sp>
         <p:nvSpPr>
-          <p:cNvPr id="4" name="Date Placeholder 3"/>
+          <p:cNvPr id="4" name="Date Placeholder 3" title=""/>
           <p:cNvSpPr>
             <a:spLocks noGrp="1"/>
           </p:cNvSpPr>
@@ -876,7 +876,7 @@
           <a:bodyPr/>
           <a:lstStyle/>
           <a:p>
-            <a:fld id="{5ACE6C4C-4878-4231-97A8-6F3F7EA34F73}" type="datetimeFigureOut">
+            <a:fld id="{38FF3D0F-B20C-4DE8-B01B-83D21D28897F}" type="datetimeFigureOut">
               <a:rPr lang="en-US" smtClean="0"/>
               <a:t>11/7/2009</a:t>
             </a:fld>
@@ -886,7 +886,7 @@
       </p:sp>
       <p:sp>
         <p:nvSpPr>
-          <p:cNvPr id="5" name="Footer Placeholder 4"/>
+          <p:cNvPr id="5" name="Footer Placeholder 4" title=""/>
           <p:cNvSpPr>
             <a:spLocks noGrp="1"/>
           </p:cNvSpPr>
@@ -905,7 +905,7 @@
       </p:sp>
       <p:sp>
         <p:nvSpPr>
-          <p:cNvPr id="6" name="Slide Number Placeholder 5"/>
+          <p:cNvPr id="6" name="Slide Number Placeholder 5" title=""/>
           <p:cNvSpPr>
             <a:spLocks noGrp="1"/>
           </p:cNvSpPr>
@@ -937,11 +937,11 @@
 </file>
 
 <file path=ppt/slideLayouts/slideLayout2.xml><?xml version="1.0" encoding="utf-8"?>
-<p:sldLayout xmlns:a="http://schemas.openxmlformats.org/drawingml/2006/main" xmlns:r="http://schemas.openxmlformats.org/officeDocument/2006/relationships" xmlns:p14="http://schemas.microsoft.com/office/powerpoint/2010/main" xmlns:a14="http://schemas.microsoft.com/office/drawing/2010/main" xmlns:p15="http://schemas.microsoft.com/office/powerpoint/2012/main" xmlns:p159="http://schemas.microsoft.com/office/powerpoint/2015/09/main" xmlns:p="http://schemas.openxmlformats.org/presentationml/2006/main" type="obj" preserve="1">
+<p:sldLayout xmlns:a="http://schemas.openxmlformats.org/drawingml/2006/main" xmlns:r="http://schemas.openxmlformats.org/officeDocument/2006/relationships" xmlns:m="http://schemas.openxmlformats.org/officeDocument/2006/math" xmlns:w="http://schemas.openxmlformats.org/wordprocessingml/2006/main" xmlns:wp="http://schemas.openxmlformats.org/drawingml/2006/wordprocessingDrawing" xmlns:a14="http://schemas.microsoft.com/office/drawing/2010/main" xmlns:mc="http://schemas.openxmlformats.org/markup-compatibility/2006" xmlns:p14="http://schemas.microsoft.com/office/powerpoint/2010/main" xmlns:p15="http://schemas.microsoft.com/office/powerpoint/2012/main" xmlns:p159="http://schemas.microsoft.com/office/powerpoint/2015/09/main" xmlns:p="http://schemas.openxmlformats.org/presentationml/2006/main" type="obj" preserve="1">
   <p:cSld name="Title and Content">
     <p:spTree>
       <p:nvGrpSpPr>
-        <p:cNvPr id="1" name=""/>
+        <p:cNvPr id="1" name="" title=""/>
         <p:cNvGrpSpPr/>
         <p:nvPr/>
       </p:nvGrpSpPr>
@@ -953,7 +953,7 @@
       </p:grpSpPr>
       <p:sp>
         <p:nvSpPr>
-          <p:cNvPr id="2" name="Title 1"/>
+          <p:cNvPr id="2" name="Title 1" title=""/>
           <p:cNvSpPr>
             <a:spLocks noGrp="1"/>
           </p:cNvSpPr>
@@ -976,7 +976,7 @@
       </p:sp>
       <p:sp>
         <p:nvSpPr>
-          <p:cNvPr id="3" name="Content Placeholder 2"/>
+          <p:cNvPr id="3" name="Content Placeholder 2" title=""/>
           <p:cNvSpPr>
             <a:spLocks noGrp="1"/>
           </p:cNvSpPr>
@@ -1027,7 +1027,7 @@
       </p:sp>
       <p:sp>
         <p:nvSpPr>
-          <p:cNvPr id="4" name="Date Placeholder 3"/>
+          <p:cNvPr id="4" name="Date Placeholder 3" title=""/>
           <p:cNvSpPr>
             <a:spLocks noGrp="1"/>
           </p:cNvSpPr>
@@ -1040,7 +1040,7 @@
           <a:bodyPr/>
           <a:lstStyle/>
           <a:p>
-            <a:fld id="{A38BDAFD-7F53-4DDB-B7C0-84AB8E15B06D}" type="datetimeFigureOut">
+            <a:fld id="{01A165EB-484E-4B3F-8EB7-EFB60128E418}" type="datetimeFigureOut">
               <a:rPr lang="en-US" smtClean="0"/>
               <a:t>11/7/2009</a:t>
             </a:fld>
@@ -1050,7 +1050,7 @@
       </p:sp>
       <p:sp>
         <p:nvSpPr>
-          <p:cNvPr id="5" name="Footer Placeholder 4"/>
+          <p:cNvPr id="5" name="Footer Placeholder 4" title=""/>
           <p:cNvSpPr>
             <a:spLocks noGrp="1"/>
           </p:cNvSpPr>
@@ -1069,7 +1069,7 @@
       </p:sp>
       <p:sp>
         <p:nvSpPr>
-          <p:cNvPr id="6" name="Slide Number Placeholder 5"/>
+          <p:cNvPr id="6" name="Slide Number Placeholder 5" title=""/>
           <p:cNvSpPr>
             <a:spLocks noGrp="1"/>
           </p:cNvSpPr>
@@ -1101,11 +1101,11 @@
 </file>
 
 <file path=ppt/slideLayouts/slideLayout3.xml><?xml version="1.0" encoding="utf-8"?>
-<p:sldLayout xmlns:a="http://schemas.openxmlformats.org/drawingml/2006/main" xmlns:r="http://schemas.openxmlformats.org/officeDocument/2006/relationships" xmlns:p14="http://schemas.microsoft.com/office/powerpoint/2010/main" xmlns:a14="http://schemas.microsoft.com/office/drawing/2010/main" xmlns:p15="http://schemas.microsoft.com/office/powerpoint/2012/main" xmlns:p159="http://schemas.microsoft.com/office/powerpoint/2015/09/main" xmlns:p="http://schemas.openxmlformats.org/presentationml/2006/main" type="secHead" preserve="1">
+<p:sldLayout xmlns:a="http://schemas.openxmlformats.org/drawingml/2006/main" xmlns:r="http://schemas.openxmlformats.org/officeDocument/2006/relationships" xmlns:m="http://schemas.openxmlformats.org/officeDocument/2006/math" xmlns:w="http://schemas.openxmlformats.org/wordprocessingml/2006/main" xmlns:wp="http://schemas.openxmlformats.org/drawingml/2006/wordprocessingDrawing" xmlns:a14="http://schemas.microsoft.com/office/drawing/2010/main" xmlns:mc="http://schemas.openxmlformats.org/markup-compatibility/2006" xmlns:p14="http://schemas.microsoft.com/office/powerpoint/2010/main" xmlns:p15="http://schemas.microsoft.com/office/powerpoint/2012/main" xmlns:p159="http://schemas.microsoft.com/office/powerpoint/2015/09/main" xmlns:p="http://schemas.openxmlformats.org/presentationml/2006/main" type="secHead" preserve="1">
   <p:cSld name="Section Header">
     <p:spTree>
       <p:nvGrpSpPr>
-        <p:cNvPr id="1" name=""/>
+        <p:cNvPr id="1" name="" title=""/>
         <p:cNvGrpSpPr/>
         <p:nvPr/>
       </p:nvGrpSpPr>
@@ -1117,7 +1117,7 @@
       </p:grpSpPr>
       <p:sp>
         <p:nvSpPr>
-          <p:cNvPr id="2" name="Title 1"/>
+          <p:cNvPr id="2" name="Title 1" title=""/>
           <p:cNvSpPr>
             <a:spLocks noGrp="1"/>
           </p:cNvSpPr>
@@ -1144,7 +1144,7 @@
       </p:sp>
       <p:sp>
         <p:nvSpPr>
-          <p:cNvPr id="3" name="Text Placeholder 2"/>
+          <p:cNvPr id="3" name="Text Placeholder 2" title=""/>
           <p:cNvSpPr>
             <a:spLocks noGrp="1"/>
           </p:cNvSpPr>
@@ -1257,7 +1257,7 @@
       </p:sp>
       <p:sp>
         <p:nvSpPr>
-          <p:cNvPr id="4" name="Date Placeholder 3"/>
+          <p:cNvPr id="4" name="Date Placeholder 3" title=""/>
           <p:cNvSpPr>
             <a:spLocks noGrp="1"/>
           </p:cNvSpPr>
@@ -1270,7 +1270,7 @@
           <a:bodyPr/>
           <a:lstStyle/>
           <a:p>
-            <a:fld id="{952ECBF7-9C55-4358-9DD4-D1424ACC397D}" type="datetimeFigureOut">
+            <a:fld id="{ED9CB57C-1180-4B8B-B1CC-194E18DECE17}" type="datetimeFigureOut">
               <a:rPr lang="en-US" smtClean="0"/>
               <a:t>11/7/2009</a:t>
             </a:fld>
@@ -1280,7 +1280,7 @@
       </p:sp>
       <p:sp>
         <p:nvSpPr>
-          <p:cNvPr id="5" name="Footer Placeholder 4"/>
+          <p:cNvPr id="5" name="Footer Placeholder 4" title=""/>
           <p:cNvSpPr>
             <a:spLocks noGrp="1"/>
           </p:cNvSpPr>
@@ -1299,7 +1299,7 @@
       </p:sp>
       <p:sp>
         <p:nvSpPr>
-          <p:cNvPr id="6" name="Slide Number Placeholder 5"/>
+          <p:cNvPr id="6" name="Slide Number Placeholder 5" title=""/>
           <p:cNvSpPr>
             <a:spLocks noGrp="1"/>
           </p:cNvSpPr>
@@ -1331,11 +1331,11 @@
 </file>
 
 <file path=ppt/slideLayouts/slideLayout4.xml><?xml version="1.0" encoding="utf-8"?>
-<p:sldLayout xmlns:a="http://schemas.openxmlformats.org/drawingml/2006/main" xmlns:r="http://schemas.openxmlformats.org/officeDocument/2006/relationships" xmlns:p14="http://schemas.microsoft.com/office/powerpoint/2010/main" xmlns:a14="http://schemas.microsoft.com/office/drawing/2010/main" xmlns:p15="http://schemas.microsoft.com/office/powerpoint/2012/main" xmlns:p159="http://schemas.microsoft.com/office/powerpoint/2015/09/main" xmlns:p="http://schemas.openxmlformats.org/presentationml/2006/main" type="twoObj" preserve="1">
+<p:sldLayout xmlns:a="http://schemas.openxmlformats.org/drawingml/2006/main" xmlns:r="http://schemas.openxmlformats.org/officeDocument/2006/relationships" xmlns:m="http://schemas.openxmlformats.org/officeDocument/2006/math" xmlns:w="http://schemas.openxmlformats.org/wordprocessingml/2006/main" xmlns:wp="http://schemas.openxmlformats.org/drawingml/2006/wordprocessingDrawing" xmlns:a14="http://schemas.microsoft.com/office/drawing/2010/main" xmlns:mc="http://schemas.openxmlformats.org/markup-compatibility/2006" xmlns:p14="http://schemas.microsoft.com/office/powerpoint/2010/main" xmlns:p15="http://schemas.microsoft.com/office/powerpoint/2012/main" xmlns:p159="http://schemas.microsoft.com/office/powerpoint/2015/09/main" xmlns:p="http://schemas.openxmlformats.org/presentationml/2006/main" type="twoObj" preserve="1">
   <p:cSld name="Two Content">
     <p:spTree>
       <p:nvGrpSpPr>
-        <p:cNvPr id="1" name=""/>
+        <p:cNvPr id="1" name="" title=""/>
         <p:cNvGrpSpPr/>
         <p:nvPr/>
       </p:nvGrpSpPr>
@@ -1347,7 +1347,7 @@
       </p:grpSpPr>
       <p:sp>
         <p:nvSpPr>
-          <p:cNvPr id="2" name="Title 1"/>
+          <p:cNvPr id="2" name="Title 1" title=""/>
           <p:cNvSpPr>
             <a:spLocks noGrp="1"/>
           </p:cNvSpPr>
@@ -1370,7 +1370,7 @@
       </p:sp>
       <p:sp>
         <p:nvSpPr>
-          <p:cNvPr id="3" name="Content Placeholder 2"/>
+          <p:cNvPr id="3" name="Content Placeholder 2" title=""/>
           <p:cNvSpPr>
             <a:spLocks noGrp="1"/>
           </p:cNvSpPr>
@@ -1449,7 +1449,7 @@
       </p:sp>
       <p:sp>
         <p:nvSpPr>
-          <p:cNvPr id="4" name="Content Placeholder 3"/>
+          <p:cNvPr id="4" name="Content Placeholder 3" title=""/>
           <p:cNvSpPr>
             <a:spLocks noGrp="1"/>
           </p:cNvSpPr>
@@ -1528,7 +1528,7 @@
       </p:sp>
       <p:sp>
         <p:nvSpPr>
-          <p:cNvPr id="5" name="Date Placeholder 4"/>
+          <p:cNvPr id="5" name="Date Placeholder 4" title=""/>
           <p:cNvSpPr>
             <a:spLocks noGrp="1"/>
           </p:cNvSpPr>
@@ -1541,7 +1541,7 @@
           <a:bodyPr/>
           <a:lstStyle/>
           <a:p>
-            <a:fld id="{3F1DCED2-3545-4F67-841A-79AE828E2579}" type="datetimeFigureOut">
+            <a:fld id="{8D24F60B-F2FC-49E5-834D-C98395504E67}" type="datetimeFigureOut">
               <a:rPr lang="en-US" smtClean="0"/>
               <a:t>11/7/2009</a:t>
             </a:fld>
@@ -1551,7 +1551,7 @@
       </p:sp>
       <p:sp>
         <p:nvSpPr>
-          <p:cNvPr id="6" name="Footer Placeholder 5"/>
+          <p:cNvPr id="6" name="Footer Placeholder 5" title=""/>
           <p:cNvSpPr>
             <a:spLocks noGrp="1"/>
           </p:cNvSpPr>
@@ -1570,7 +1570,7 @@
       </p:sp>
       <p:sp>
         <p:nvSpPr>
-          <p:cNvPr id="7" name="Slide Number Placeholder 6"/>
+          <p:cNvPr id="7" name="Slide Number Placeholder 6" title=""/>
           <p:cNvSpPr>
             <a:spLocks noGrp="1"/>
           </p:cNvSpPr>
@@ -1602,11 +1602,11 @@
 </file>
 
 <file path=ppt/slideLayouts/slideLayout5.xml><?xml version="1.0" encoding="utf-8"?>
-<p:sldLayout xmlns:a="http://schemas.openxmlformats.org/drawingml/2006/main" xmlns:r="http://schemas.openxmlformats.org/officeDocument/2006/relationships" xmlns:p14="http://schemas.microsoft.com/office/powerpoint/2010/main" xmlns:a14="http://schemas.microsoft.com/office/drawing/2010/main" xmlns:p15="http://schemas.microsoft.com/office/powerpoint/2012/main" xmlns:p159="http://schemas.microsoft.com/office/powerpoint/2015/09/main" xmlns:p="http://schemas.openxmlformats.org/presentationml/2006/main" type="twoTxTwoObj" preserve="1">
+<p:sldLayout xmlns:a="http://schemas.openxmlformats.org/drawingml/2006/main" xmlns:r="http://schemas.openxmlformats.org/officeDocument/2006/relationships" xmlns:m="http://schemas.openxmlformats.org/officeDocument/2006/math" xmlns:w="http://schemas.openxmlformats.org/wordprocessingml/2006/main" xmlns:wp="http://schemas.openxmlformats.org/drawingml/2006/wordprocessingDrawing" xmlns:a14="http://schemas.microsoft.com/office/drawing/2010/main" xmlns:mc="http://schemas.openxmlformats.org/markup-compatibility/2006" xmlns:p14="http://schemas.microsoft.com/office/powerpoint/2010/main" xmlns:p15="http://schemas.microsoft.com/office/powerpoint/2012/main" xmlns:p159="http://schemas.microsoft.com/office/powerpoint/2015/09/main" xmlns:p="http://schemas.openxmlformats.org/presentationml/2006/main" type="twoTxTwoObj" preserve="1">
   <p:cSld name="Comparison">
     <p:spTree>
       <p:nvGrpSpPr>
-        <p:cNvPr id="1" name=""/>
+        <p:cNvPr id="1" name="" title=""/>
         <p:cNvGrpSpPr/>
         <p:nvPr/>
       </p:nvGrpSpPr>
@@ -1618,7 +1618,7 @@
       </p:grpSpPr>
       <p:sp>
         <p:nvSpPr>
-          <p:cNvPr id="2" name="Title 1"/>
+          <p:cNvPr id="2" name="Title 1" title=""/>
           <p:cNvSpPr>
             <a:spLocks noGrp="1"/>
           </p:cNvSpPr>
@@ -1641,7 +1641,7 @@
       </p:sp>
       <p:sp>
         <p:nvSpPr>
-          <p:cNvPr id="3" name="Text Placeholder 2"/>
+          <p:cNvPr id="3" name="Text Placeholder 2" title=""/>
           <p:cNvSpPr>
             <a:spLocks noGrp="1"/>
           </p:cNvSpPr>
@@ -1700,7 +1700,7 @@
       </p:sp>
       <p:sp>
         <p:nvSpPr>
-          <p:cNvPr id="4" name="Content Placeholder 3"/>
+          <p:cNvPr id="4" name="Content Placeholder 3" title=""/>
           <p:cNvSpPr>
             <a:spLocks noGrp="1"/>
           </p:cNvSpPr>
@@ -1779,7 +1779,7 @@
       </p:sp>
       <p:sp>
         <p:nvSpPr>
-          <p:cNvPr id="5" name="Text Placeholder 4"/>
+          <p:cNvPr id="5" name="Text Placeholder 4" title=""/>
           <p:cNvSpPr>
             <a:spLocks noGrp="1"/>
           </p:cNvSpPr>
@@ -1838,7 +1838,7 @@
       </p:sp>
       <p:sp>
         <p:nvSpPr>
-          <p:cNvPr id="6" name="Content Placeholder 5"/>
+          <p:cNvPr id="6" name="Content Placeholder 5" title=""/>
           <p:cNvSpPr>
             <a:spLocks noGrp="1"/>
           </p:cNvSpPr>
@@ -1917,7 +1917,7 @@
       </p:sp>
       <p:sp>
         <p:nvSpPr>
-          <p:cNvPr id="7" name="Date Placeholder 6"/>
+          <p:cNvPr id="7" name="Date Placeholder 6" title=""/>
           <p:cNvSpPr>
             <a:spLocks noGrp="1"/>
           </p:cNvSpPr>
@@ -1930,7 +1930,7 @@
           <a:bodyPr/>
           <a:lstStyle/>
           <a:p>
-            <a:fld id="{E6606688-7800-41E6-B8B2-ABC2A878E814}" type="datetimeFigureOut">
+            <a:fld id="{6AF84D4F-0F84-43A7-86F9-A7E10372267F}" type="datetimeFigureOut">
               <a:rPr lang="en-US" smtClean="0"/>
               <a:t>11/7/2009</a:t>
             </a:fld>
@@ -1940,7 +1940,7 @@
       </p:sp>
       <p:sp>
         <p:nvSpPr>
-          <p:cNvPr id="8" name="Footer Placeholder 7"/>
+          <p:cNvPr id="8" name="Footer Placeholder 7" title=""/>
           <p:cNvSpPr>
             <a:spLocks noGrp="1"/>
           </p:cNvSpPr>
@@ -1959,7 +1959,7 @@
       </p:sp>
       <p:sp>
         <p:nvSpPr>
-          <p:cNvPr id="9" name="Slide Number Placeholder 8"/>
+          <p:cNvPr id="9" name="Slide Number Placeholder 8" title=""/>
           <p:cNvSpPr>
             <a:spLocks noGrp="1"/>
           </p:cNvSpPr>
@@ -1991,11 +1991,11 @@
 </file>
 
 <file path=ppt/slideLayouts/slideLayout6.xml><?xml version="1.0" encoding="utf-8"?>
-<p:sldLayout xmlns:a="http://schemas.openxmlformats.org/drawingml/2006/main" xmlns:r="http://schemas.openxmlformats.org/officeDocument/2006/relationships" xmlns:p14="http://schemas.microsoft.com/office/powerpoint/2010/main" xmlns:a14="http://schemas.microsoft.com/office/drawing/2010/main" xmlns:p15="http://schemas.microsoft.com/office/powerpoint/2012/main" xmlns:p159="http://schemas.microsoft.com/office/powerpoint/2015/09/main" xmlns:p="http://schemas.openxmlformats.org/presentationml/2006/main" type="titleOnly" preserve="1">
+<p:sldLayout xmlns:a="http://schemas.openxmlformats.org/drawingml/2006/main" xmlns:r="http://schemas.openxmlformats.org/officeDocument/2006/relationships" xmlns:m="http://schemas.openxmlformats.org/officeDocument/2006/math" xmlns:w="http://schemas.openxmlformats.org/wordprocessingml/2006/main" xmlns:wp="http://schemas.openxmlformats.org/drawingml/2006/wordprocessingDrawing" xmlns:a14="http://schemas.microsoft.com/office/drawing/2010/main" xmlns:mc="http://schemas.openxmlformats.org/markup-compatibility/2006" xmlns:p14="http://schemas.microsoft.com/office/powerpoint/2010/main" xmlns:p15="http://schemas.microsoft.com/office/powerpoint/2012/main" xmlns:p159="http://schemas.microsoft.com/office/powerpoint/2015/09/main" xmlns:p="http://schemas.openxmlformats.org/presentationml/2006/main" type="titleOnly" preserve="1">
   <p:cSld name="Title Only">
     <p:spTree>
       <p:nvGrpSpPr>
-        <p:cNvPr id="1" name=""/>
+        <p:cNvPr id="1" name="" title=""/>
         <p:cNvGrpSpPr/>
         <p:nvPr/>
       </p:nvGrpSpPr>
@@ -2007,7 +2007,7 @@
       </p:grpSpPr>
       <p:sp>
         <p:nvSpPr>
-          <p:cNvPr id="2" name="Title 1"/>
+          <p:cNvPr id="2" name="Title 1" title=""/>
           <p:cNvSpPr>
             <a:spLocks noGrp="1"/>
           </p:cNvSpPr>
@@ -2030,7 +2030,7 @@
       </p:sp>
       <p:sp>
         <p:nvSpPr>
-          <p:cNvPr id="3" name="Date Placeholder 2"/>
+          <p:cNvPr id="3" name="Date Placeholder 2" title=""/>
           <p:cNvSpPr>
             <a:spLocks noGrp="1"/>
           </p:cNvSpPr>
@@ -2043,7 +2043,7 @@
           <a:bodyPr/>
           <a:lstStyle/>
           <a:p>
-            <a:fld id="{3A0F580D-6A4C-4C69-A69F-2C0FF6BE47E1}" type="datetimeFigureOut">
+            <a:fld id="{C16B8341-C736-4AA2-9468-93BDDF828FC5}" type="datetimeFigureOut">
               <a:rPr lang="en-US" smtClean="0"/>
               <a:t>11/7/2009</a:t>
             </a:fld>
@@ -2053,7 +2053,7 @@
       </p:sp>
       <p:sp>
         <p:nvSpPr>
-          <p:cNvPr id="4" name="Footer Placeholder 3"/>
+          <p:cNvPr id="4" name="Footer Placeholder 3" title=""/>
           <p:cNvSpPr>
             <a:spLocks noGrp="1"/>
           </p:cNvSpPr>
@@ -2072,7 +2072,7 @@
       </p:sp>
       <p:sp>
         <p:nvSpPr>
-          <p:cNvPr id="5" name="Slide Number Placeholder 4"/>
+          <p:cNvPr id="5" name="Slide Number Placeholder 4" title=""/>
           <p:cNvSpPr>
             <a:spLocks noGrp="1"/>
           </p:cNvSpPr>
@@ -2104,11 +2104,11 @@
 </file>
 
 <file path=ppt/slideLayouts/slideLayout7.xml><?xml version="1.0" encoding="utf-8"?>
-<p:sldLayout xmlns:a="http://schemas.openxmlformats.org/drawingml/2006/main" xmlns:r="http://schemas.openxmlformats.org/officeDocument/2006/relationships" xmlns:p14="http://schemas.microsoft.com/office/powerpoint/2010/main" xmlns:a14="http://schemas.microsoft.com/office/drawing/2010/main" xmlns:p15="http://schemas.microsoft.com/office/powerpoint/2012/main" xmlns:p159="http://schemas.microsoft.com/office/powerpoint/2015/09/main" xmlns:p="http://schemas.openxmlformats.org/presentationml/2006/main" type="blank" preserve="1">
+<p:sldLayout xmlns:a="http://schemas.openxmlformats.org/drawingml/2006/main" xmlns:r="http://schemas.openxmlformats.org/officeDocument/2006/relationships" xmlns:m="http://schemas.openxmlformats.org/officeDocument/2006/math" xmlns:w="http://schemas.openxmlformats.org/wordprocessingml/2006/main" xmlns:wp="http://schemas.openxmlformats.org/drawingml/2006/wordprocessingDrawing" xmlns:a14="http://schemas.microsoft.com/office/drawing/2010/main" xmlns:mc="http://schemas.openxmlformats.org/markup-compatibility/2006" xmlns:p14="http://schemas.microsoft.com/office/powerpoint/2010/main" xmlns:p15="http://schemas.microsoft.com/office/powerpoint/2012/main" xmlns:p159="http://schemas.microsoft.com/office/powerpoint/2015/09/main" xmlns:p="http://schemas.openxmlformats.org/presentationml/2006/main" type="blank" preserve="1">
   <p:cSld name="Blank">
     <p:spTree>
       <p:nvGrpSpPr>
-        <p:cNvPr id="1" name=""/>
+        <p:cNvPr id="1" name="" title=""/>
         <p:cNvGrpSpPr/>
         <p:nvPr/>
       </p:nvGrpSpPr>
@@ -2120,7 +2120,7 @@
       </p:grpSpPr>
       <p:sp>
         <p:nvSpPr>
-          <p:cNvPr id="2" name="Date Placeholder 1"/>
+          <p:cNvPr id="2" name="Date Placeholder 1" title=""/>
           <p:cNvSpPr>
             <a:spLocks noGrp="1"/>
           </p:cNvSpPr>
@@ -2133,7 +2133,7 @@
           <a:bodyPr/>
           <a:lstStyle/>
           <a:p>
-            <a:fld id="{C39C0DA8-E17A-4260-BFD6-EB1EAA01FBB7}" type="datetimeFigureOut">
+            <a:fld id="{DA70E289-2E05-46AA-8BE8-1DEACC6D1D17}" type="datetimeFigureOut">
               <a:rPr lang="en-US" smtClean="0"/>
               <a:t>11/7/2009</a:t>
             </a:fld>
@@ -2143,7 +2143,7 @@
       </p:sp>
       <p:sp>
         <p:nvSpPr>
-          <p:cNvPr id="3" name="Footer Placeholder 2"/>
+          <p:cNvPr id="3" name="Footer Placeholder 2" title=""/>
           <p:cNvSpPr>
             <a:spLocks noGrp="1"/>
           </p:cNvSpPr>
@@ -2162,7 +2162,7 @@
       </p:sp>
       <p:sp>
         <p:nvSpPr>
-          <p:cNvPr id="4" name="Slide Number Placeholder 3"/>
+          <p:cNvPr id="4" name="Slide Number Placeholder 3" title=""/>
           <p:cNvSpPr>
             <a:spLocks noGrp="1"/>
           </p:cNvSpPr>
@@ -2194,11 +2194,11 @@
 </file>
 
 <file path=ppt/slideLayouts/slideLayout8.xml><?xml version="1.0" encoding="utf-8"?>
-<p:sldLayout xmlns:a="http://schemas.openxmlformats.org/drawingml/2006/main" xmlns:r="http://schemas.openxmlformats.org/officeDocument/2006/relationships" xmlns:p14="http://schemas.microsoft.com/office/powerpoint/2010/main" xmlns:a14="http://schemas.microsoft.com/office/drawing/2010/main" xmlns:p15="http://schemas.microsoft.com/office/powerpoint/2012/main" xmlns:p159="http://schemas.microsoft.com/office/powerpoint/2015/09/main" xmlns:p="http://schemas.openxmlformats.org/presentationml/2006/main" type="objTx" preserve="1">
+<p:sldLayout xmlns:a="http://schemas.openxmlformats.org/drawingml/2006/main" xmlns:r="http://schemas.openxmlformats.org/officeDocument/2006/relationships" xmlns:m="http://schemas.openxmlformats.org/officeDocument/2006/math" xmlns:w="http://schemas.openxmlformats.org/wordprocessingml/2006/main" xmlns:wp="http://schemas.openxmlformats.org/drawingml/2006/wordprocessingDrawing" xmlns:a14="http://schemas.microsoft.com/office/drawing/2010/main" xmlns:mc="http://schemas.openxmlformats.org/markup-compatibility/2006" xmlns:p14="http://schemas.microsoft.com/office/powerpoint/2010/main" xmlns:p15="http://schemas.microsoft.com/office/powerpoint/2012/main" xmlns:p159="http://schemas.microsoft.com/office/powerpoint/2015/09/main" xmlns:p="http://schemas.openxmlformats.org/presentationml/2006/main" type="objTx" preserve="1">
   <p:cSld name="Content with Caption">
     <p:spTree>
       <p:nvGrpSpPr>
-        <p:cNvPr id="1" name=""/>
+        <p:cNvPr id="1" name="" title=""/>
         <p:cNvGrpSpPr/>
         <p:nvPr/>
       </p:nvGrpSpPr>
@@ -2210,7 +2210,7 @@
       </p:grpSpPr>
       <p:sp>
         <p:nvSpPr>
-          <p:cNvPr id="2" name="Title 1"/>
+          <p:cNvPr id="2" name="Title 1" title=""/>
           <p:cNvSpPr>
             <a:spLocks noGrp="1"/>
           </p:cNvSpPr>
@@ -2237,7 +2237,7 @@
       </p:sp>
       <p:sp>
         <p:nvSpPr>
-          <p:cNvPr id="3" name="Content Placeholder 2"/>
+          <p:cNvPr id="3" name="Content Placeholder 2" title=""/>
           <p:cNvSpPr>
             <a:spLocks noGrp="1"/>
           </p:cNvSpPr>
@@ -2316,7 +2316,7 @@
       </p:sp>
       <p:sp>
         <p:nvSpPr>
-          <p:cNvPr id="4" name="Text Placeholder 3"/>
+          <p:cNvPr id="4" name="Text Placeholder 3" title=""/>
           <p:cNvSpPr>
             <a:spLocks noGrp="1"/>
           </p:cNvSpPr>
@@ -2375,7 +2375,7 @@
       </p:sp>
       <p:sp>
         <p:nvSpPr>
-          <p:cNvPr id="5" name="Date Placeholder 4"/>
+          <p:cNvPr id="5" name="Date Placeholder 4" title=""/>
           <p:cNvSpPr>
             <a:spLocks noGrp="1"/>
           </p:cNvSpPr>
@@ -2388,7 +2388,7 @@
           <a:bodyPr/>
           <a:lstStyle/>
           <a:p>
-            <a:fld id="{388DD86C-4DE2-4A0C-9D88-1818735F5A4E}" type="datetimeFigureOut">
+            <a:fld id="{6EFD6332-28EC-473A-B8B5-B743BEB9A486}" type="datetimeFigureOut">
               <a:rPr lang="en-US" smtClean="0"/>
               <a:t>11/7/2009</a:t>
             </a:fld>
@@ -2398,7 +2398,7 @@
       </p:sp>
       <p:sp>
         <p:nvSpPr>
-          <p:cNvPr id="6" name="Footer Placeholder 5"/>
+          <p:cNvPr id="6" name="Footer Placeholder 5" title=""/>
           <p:cNvSpPr>
             <a:spLocks noGrp="1"/>
           </p:cNvSpPr>
@@ -2417,7 +2417,7 @@
       </p:sp>
       <p:sp>
         <p:nvSpPr>
-          <p:cNvPr id="7" name="Slide Number Placeholder 6"/>
+          <p:cNvPr id="7" name="Slide Number Placeholder 6" title=""/>
           <p:cNvSpPr>
             <a:spLocks noGrp="1"/>
           </p:cNvSpPr>
@@ -2449,11 +2449,11 @@
 </file>
 
 <file path=ppt/slideLayouts/slideLayout9.xml><?xml version="1.0" encoding="utf-8"?>
-<p:sldLayout xmlns:a="http://schemas.openxmlformats.org/drawingml/2006/main" xmlns:r="http://schemas.openxmlformats.org/officeDocument/2006/relationships" xmlns:p14="http://schemas.microsoft.com/office/powerpoint/2010/main" xmlns:a14="http://schemas.microsoft.com/office/drawing/2010/main" xmlns:p15="http://schemas.microsoft.com/office/powerpoint/2012/main" xmlns:p159="http://schemas.microsoft.com/office/powerpoint/2015/09/main" xmlns:p="http://schemas.openxmlformats.org/presentationml/2006/main" type="picTx" preserve="1">
+<p:sldLayout xmlns:a="http://schemas.openxmlformats.org/drawingml/2006/main" xmlns:r="http://schemas.openxmlformats.org/officeDocument/2006/relationships" xmlns:m="http://schemas.openxmlformats.org/officeDocument/2006/math" xmlns:w="http://schemas.openxmlformats.org/wordprocessingml/2006/main" xmlns:wp="http://schemas.openxmlformats.org/drawingml/2006/wordprocessingDrawing" xmlns:a14="http://schemas.microsoft.com/office/drawing/2010/main" xmlns:mc="http://schemas.openxmlformats.org/markup-compatibility/2006" xmlns:p14="http://schemas.microsoft.com/office/powerpoint/2010/main" xmlns:p15="http://schemas.microsoft.com/office/powerpoint/2012/main" xmlns:p159="http://schemas.microsoft.com/office/powerpoint/2015/09/main" xmlns:p="http://schemas.openxmlformats.org/presentationml/2006/main" type="picTx" preserve="1">
   <p:cSld name="Picture with Caption">
     <p:spTree>
       <p:nvGrpSpPr>
-        <p:cNvPr id="1" name=""/>
+        <p:cNvPr id="1" name="" title=""/>
         <p:cNvGrpSpPr/>
         <p:nvPr/>
       </p:nvGrpSpPr>
@@ -2465,7 +2465,7 @@
       </p:grpSpPr>
       <p:sp>
         <p:nvSpPr>
-          <p:cNvPr id="2" name="Title 1"/>
+          <p:cNvPr id="2" name="Title 1" title=""/>
           <p:cNvSpPr>
             <a:spLocks noGrp="1"/>
           </p:cNvSpPr>
@@ -2492,7 +2492,7 @@
       </p:sp>
       <p:sp>
         <p:nvSpPr>
-          <p:cNvPr id="3" name="Picture Placeholder 2"/>
+          <p:cNvPr id="3" name="Picture Placeholder 2" title=""/>
           <p:cNvSpPr>
             <a:spLocks noGrp="1"/>
           </p:cNvSpPr>
@@ -2548,7 +2548,7 @@
       </p:sp>
       <p:sp>
         <p:nvSpPr>
-          <p:cNvPr id="4" name="Text Placeholder 3"/>
+          <p:cNvPr id="4" name="Text Placeholder 3" title=""/>
           <p:cNvSpPr>
             <a:spLocks noGrp="1"/>
           </p:cNvSpPr>
@@ -2607,7 +2607,7 @@
       </p:sp>
       <p:sp>
         <p:nvSpPr>
-          <p:cNvPr id="5" name="Date Placeholder 4"/>
+          <p:cNvPr id="5" name="Date Placeholder 4" title=""/>
           <p:cNvSpPr>
             <a:spLocks noGrp="1"/>
           </p:cNvSpPr>
@@ -2620,7 +2620,7 @@
           <a:bodyPr/>
           <a:lstStyle/>
           <a:p>
-            <a:fld id="{6DA71C43-167B-4297-88B5-8C486F11E54E}" type="datetimeFigureOut">
+            <a:fld id="{ED86F295-C237-43FC-9187-460D25B20270}" type="datetimeFigureOut">
               <a:rPr lang="en-US" smtClean="0"/>
               <a:t>11/7/2009</a:t>
             </a:fld>
@@ -2630,7 +2630,7 @@
       </p:sp>
       <p:sp>
         <p:nvSpPr>
-          <p:cNvPr id="6" name="Footer Placeholder 5"/>
+          <p:cNvPr id="6" name="Footer Placeholder 5" title=""/>
           <p:cNvSpPr>
             <a:spLocks noGrp="1"/>
           </p:cNvSpPr>
@@ -2649,7 +2649,7 @@
       </p:sp>
       <p:sp>
         <p:nvSpPr>
-          <p:cNvPr id="7" name="Slide Number Placeholder 6"/>
+          <p:cNvPr id="7" name="Slide Number Placeholder 6" title=""/>
           <p:cNvSpPr>
             <a:spLocks noGrp="1"/>
           </p:cNvSpPr>
@@ -2681,7 +2681,7 @@
 </file>
 
 <file path=ppt/slideMasters/slideMaster1.xml><?xml version="1.0" encoding="utf-8"?>
-<p:sldMaster xmlns:a="http://schemas.openxmlformats.org/drawingml/2006/main" xmlns:r="http://schemas.openxmlformats.org/officeDocument/2006/relationships" xmlns:p14="http://schemas.microsoft.com/office/powerpoint/2010/main" xmlns:a14="http://schemas.microsoft.com/office/drawing/2010/main" xmlns:p15="http://schemas.microsoft.com/office/powerpoint/2012/main" xmlns:p159="http://schemas.microsoft.com/office/powerpoint/2015/09/main" xmlns:p="http://schemas.openxmlformats.org/presentationml/2006/main">
+<p:sldMaster xmlns:a="http://schemas.openxmlformats.org/drawingml/2006/main" xmlns:r="http://schemas.openxmlformats.org/officeDocument/2006/relationships" xmlns:m="http://schemas.openxmlformats.org/officeDocument/2006/math" xmlns:w="http://schemas.openxmlformats.org/wordprocessingml/2006/main" xmlns:wp="http://schemas.openxmlformats.org/drawingml/2006/wordprocessingDrawing" xmlns:a14="http://schemas.microsoft.com/office/drawing/2010/main" xmlns:mc="http://schemas.openxmlformats.org/markup-compatibility/2006" xmlns:p14="http://schemas.microsoft.com/office/powerpoint/2010/main" xmlns:p15="http://schemas.microsoft.com/office/powerpoint/2012/main" xmlns:p159="http://schemas.microsoft.com/office/powerpoint/2015/09/main" xmlns:p="http://schemas.openxmlformats.org/presentationml/2006/main">
   <p:cSld>
     <p:bg>
       <p:bgRef idx="1001">
@@ -2690,7 +2690,7 @@
     </p:bg>
     <p:spTree>
       <p:nvGrpSpPr>
-        <p:cNvPr id="1" name=""/>
+        <p:cNvPr id="1" name="" title=""/>
         <p:cNvGrpSpPr/>
         <p:nvPr/>
       </p:nvGrpSpPr>
@@ -2702,7 +2702,7 @@
       </p:grpSpPr>
       <p:sp>
         <p:nvSpPr>
-          <p:cNvPr id="2" name="Title Placeholder 1"/>
+          <p:cNvPr id="2" name="Title Placeholder 1" title=""/>
           <p:cNvSpPr>
             <a:spLocks noGrp="1"/>
           </p:cNvSpPr>
@@ -2735,7 +2735,7 @@
       </p:sp>
       <p:sp>
         <p:nvSpPr>
-          <p:cNvPr id="3" name="Text Placeholder 2"/>
+          <p:cNvPr id="3" name="Text Placeholder 2" title=""/>
           <p:cNvSpPr>
             <a:spLocks noGrp="1"/>
           </p:cNvSpPr>
@@ -2796,7 +2796,7 @@
       </p:sp>
       <p:sp>
         <p:nvSpPr>
-          <p:cNvPr id="4" name="Date Placeholder 3"/>
+          <p:cNvPr id="4" name="Date Placeholder 3" title=""/>
           <p:cNvSpPr>
             <a:spLocks noGrp="1"/>
           </p:cNvSpPr>
@@ -2837,7 +2837,7 @@
       </p:sp>
       <p:sp>
         <p:nvSpPr>
-          <p:cNvPr id="5" name="Footer Placeholder 4"/>
+          <p:cNvPr id="5" name="Footer Placeholder 4" title=""/>
           <p:cNvSpPr>
             <a:spLocks noGrp="1"/>
           </p:cNvSpPr>
@@ -2874,7 +2874,7 @@
       </p:sp>
       <p:sp>
         <p:nvSpPr>
-          <p:cNvPr id="6" name="Slide Number Placeholder 5"/>
+          <p:cNvPr id="6" name="Slide Number Placeholder 5" title=""/>
           <p:cNvSpPr>
             <a:spLocks noGrp="1"/>
           </p:cNvSpPr>
@@ -3185,11 +3185,11 @@
 </file>
 
 <file path=ppt/slides/slide1.xml><?xml version="1.0" encoding="utf-8"?>
-<p:sld xmlns:a="http://schemas.openxmlformats.org/drawingml/2006/main" xmlns:r="http://schemas.openxmlformats.org/officeDocument/2006/relationships" xmlns:p14="http://schemas.microsoft.com/office/powerpoint/2010/main" xmlns:a14="http://schemas.microsoft.com/office/drawing/2010/main" xmlns:p15="http://schemas.microsoft.com/office/powerpoint/2012/main" xmlns:p159="http://schemas.microsoft.com/office/powerpoint/2015/09/main" xmlns:p="http://schemas.openxmlformats.org/presentationml/2006/main">
+<p:sld xmlns:a="http://schemas.openxmlformats.org/drawingml/2006/main" xmlns:r="http://schemas.openxmlformats.org/officeDocument/2006/relationships" xmlns:m="http://schemas.openxmlformats.org/officeDocument/2006/math" xmlns:w="http://schemas.openxmlformats.org/wordprocessingml/2006/main" xmlns:wp="http://schemas.openxmlformats.org/drawingml/2006/wordprocessingDrawing" xmlns:a14="http://schemas.microsoft.com/office/drawing/2010/main" xmlns:mc="http://schemas.openxmlformats.org/markup-compatibility/2006" xmlns:p14="http://schemas.microsoft.com/office/powerpoint/2010/main" xmlns:p15="http://schemas.microsoft.com/office/powerpoint/2012/main" xmlns:p159="http://schemas.microsoft.com/office/powerpoint/2015/09/main" xmlns:p="http://schemas.openxmlformats.org/presentationml/2006/main">
   <p:cSld name="">
     <p:spTree>
       <p:nvGrpSpPr>
-        <p:cNvPr id="1" name=""/>
+        <p:cNvPr id="1" name="" title=""/>
         <p:cNvGrpSpPr/>
         <p:nvPr/>
       </p:nvGrpSpPr>
@@ -3201,7 +3201,7 @@
       </p:grpSpPr>
       <p:graphicFrame>
         <p:nvGraphicFramePr>
-          <p:cNvPr id="2" name="ChartObject"/>
+          <p:cNvPr id="2" name="ChartObject" title=""/>
           <p:cNvGraphicFramePr/>
           <p:nvPr/>
         </p:nvGraphicFramePr>
@@ -3215,6 +3215,77 @@
           </a:graphicData>
         </a:graphic>
       </p:graphicFrame>
+      <p:sp>
+        <p:nvSpPr>
+          <p:cNvPr id="3" name="TextBox"/>
+          <p:cNvSpPr txBox="1">
+            <a:spLocks noGrp="1" noSelect="1" noRot="1" noMove="1"/>
+          </p:cNvSpPr>
+          <p:nvPr/>
+        </p:nvSpPr>
+        <p:spPr>
+          <a:xfrm>
+            <a:off x="1366520" y="2644140"/>
+            <a:ext cx="6411372" cy="1569660"/>
+          </a:xfrm>
+          <a:prstGeom prst="rect">
+            <a:avLst/>
+          </a:prstGeom>
+          <a:noFill/>
+        </p:spPr>
+        <p:txBody>
+          <a:bodyPr wrap="none" rtlCol="0" anchor="ctr" anchorCtr="1">
+            <a:spAutoFit/>
+          </a:bodyPr>
+          <a:lstStyle>
+            <a:lvl1pPr algn="l">
+              <a:lnSpc>
+                <a:spcPct val="150000"/>
+              </a:lnSpc>
+              <a:spcBef>
+                <a:spcPct val="0"/>
+              </a:spcBef>
+              <a:spcAft>
+                <a:spcPct val="0"/>
+              </a:spcAft>
+              <a:defRPr lang="en-US" sz="3200" b="1" noProof="1" dirty="0">
+                <a:solidFill>
+                  <a:prstClr val="red">
+                    <a:lumOff val="30000"/>
+                    <a:alpha val="40000"/>
+                  </a:prstClr>
+                </a:solidFill>
+                <a:effectLst>
+                  <a:outerShdw blurRad="50800" dist="38100" algn="tr" rotWithShape="0">
+                    <a:prstClr val="black">
+                      <a:alpha val="80000"/>
+                    </a:prstClr>
+                  </a:outerShdw>
+                </a:effectLst>
+                <a:latin typeface="Calibri" pitchFamily="34" charset="0"/>
+              </a:defRPr>
+            </a:lvl1pPr>
+          </a:lstStyle>
+          <a:p>
+            <a:pPr algn="ctr"/>
+            <a:r>
+              <a:t>Evaluation only.</a:t>
+            </a:r>
+          </a:p>
+          <a:p>
+            <a:pPr algn="ctr"/>
+            <a:r>
+              <a:t>Created with Aspose.Slides for .NET 4.0 Client Profile 21.12.</a:t>
+            </a:r>
+          </a:p>
+          <a:p>
+            <a:pPr algn="ctr"/>
+            <a:r>
+              <a:t>Copyright 2004-2021Aspose Pty Ltd.</a:t>
+            </a:r>
+          </a:p>
+        </p:txBody>
+      </p:sp>
     </p:spTree>
   </p:cSld>
   <p:clrMapOvr>
@@ -3228,10 +3299,10 @@
 <file path=ppt/tags/tag1.xml><?xml version="1.0" encoding="utf-8"?>
 <p:tagLst xmlns:p="http://schemas.openxmlformats.org/presentationml/2006/main">
   <p:tag name="AS_NET" val="4.0.30319.42000"/>
-  <p:tag name="AS_OS" val="Microsoft Windows NT 6.2.9200.0"/>
-  <p:tag name="AS_RELEASE_DATE" val="2019.06.14"/>
+  <p:tag name="AS_OS" val="Microsoft Windows NT 6.3.9600.0"/>
+  <p:tag name="AS_RELEASE_DATE" val="2021.12.14"/>
   <p:tag name="AS_TITLE" val="Aspose.Slides for .NET 4.0 Client Profile"/>
-  <p:tag name="AS_VERSION" val="19.6"/>
+  <p:tag name="AS_VERSION" val="21.12"/>
 </p:tagLst>
 </file>
 
